--- a/12 Factor Java by Munieswaran.pptx
+++ b/12 Factor Java by Munieswaran.pptx
@@ -32,6 +32,7 @@
     <p:sldId id="281" r:id="rId26"/>
     <p:sldId id="282" r:id="rId27"/>
     <p:sldId id="283" r:id="rId28"/>
+    <p:sldId id="284" r:id="rId29"/>
   </p:sldIdLst>
   <p:sldSz cx="9144000" cy="6858000" type="screen4x3"/>
   <p:notesSz cx="6858000" cy="9144000"/>
@@ -315,7 +316,7 @@
             <a:fld id="{18D8F839-2A51-447F-BE12-886A78281C35}" type="datetimeFigureOut">
               <a:rPr lang="en-IN" smtClean="0"/>
               <a:pPr/>
-              <a:t>17/05/2018</a:t>
+              <a:t>18/05/2018</a:t>
             </a:fld>
             <a:endParaRPr lang="en-IN"/>
           </a:p>
@@ -482,7 +483,7 @@
             <a:fld id="{18D8F839-2A51-447F-BE12-886A78281C35}" type="datetimeFigureOut">
               <a:rPr lang="en-IN" smtClean="0"/>
               <a:pPr/>
-              <a:t>17/05/2018</a:t>
+              <a:t>18/05/2018</a:t>
             </a:fld>
             <a:endParaRPr lang="en-IN"/>
           </a:p>
@@ -659,7 +660,7 @@
             <a:fld id="{18D8F839-2A51-447F-BE12-886A78281C35}" type="datetimeFigureOut">
               <a:rPr lang="en-IN" smtClean="0"/>
               <a:pPr/>
-              <a:t>17/05/2018</a:t>
+              <a:t>18/05/2018</a:t>
             </a:fld>
             <a:endParaRPr lang="en-IN"/>
           </a:p>
@@ -826,7 +827,7 @@
             <a:fld id="{18D8F839-2A51-447F-BE12-886A78281C35}" type="datetimeFigureOut">
               <a:rPr lang="en-IN" smtClean="0"/>
               <a:pPr/>
-              <a:t>17/05/2018</a:t>
+              <a:t>18/05/2018</a:t>
             </a:fld>
             <a:endParaRPr lang="en-IN"/>
           </a:p>
@@ -1069,7 +1070,7 @@
             <a:fld id="{18D8F839-2A51-447F-BE12-886A78281C35}" type="datetimeFigureOut">
               <a:rPr lang="en-IN" smtClean="0"/>
               <a:pPr/>
-              <a:t>17/05/2018</a:t>
+              <a:t>18/05/2018</a:t>
             </a:fld>
             <a:endParaRPr lang="en-IN"/>
           </a:p>
@@ -1354,7 +1355,7 @@
             <a:fld id="{18D8F839-2A51-447F-BE12-886A78281C35}" type="datetimeFigureOut">
               <a:rPr lang="en-IN" smtClean="0"/>
               <a:pPr/>
-              <a:t>17/05/2018</a:t>
+              <a:t>18/05/2018</a:t>
             </a:fld>
             <a:endParaRPr lang="en-IN"/>
           </a:p>
@@ -1773,7 +1774,7 @@
             <a:fld id="{18D8F839-2A51-447F-BE12-886A78281C35}" type="datetimeFigureOut">
               <a:rPr lang="en-IN" smtClean="0"/>
               <a:pPr/>
-              <a:t>17/05/2018</a:t>
+              <a:t>18/05/2018</a:t>
             </a:fld>
             <a:endParaRPr lang="en-IN"/>
           </a:p>
@@ -1888,7 +1889,7 @@
             <a:fld id="{18D8F839-2A51-447F-BE12-886A78281C35}" type="datetimeFigureOut">
               <a:rPr lang="en-IN" smtClean="0"/>
               <a:pPr/>
-              <a:t>17/05/2018</a:t>
+              <a:t>18/05/2018</a:t>
             </a:fld>
             <a:endParaRPr lang="en-IN"/>
           </a:p>
@@ -1980,7 +1981,7 @@
             <a:fld id="{18D8F839-2A51-447F-BE12-886A78281C35}" type="datetimeFigureOut">
               <a:rPr lang="en-IN" smtClean="0"/>
               <a:pPr/>
-              <a:t>17/05/2018</a:t>
+              <a:t>18/05/2018</a:t>
             </a:fld>
             <a:endParaRPr lang="en-IN"/>
           </a:p>
@@ -2254,7 +2255,7 @@
             <a:fld id="{18D8F839-2A51-447F-BE12-886A78281C35}" type="datetimeFigureOut">
               <a:rPr lang="en-IN" smtClean="0"/>
               <a:pPr/>
-              <a:t>17/05/2018</a:t>
+              <a:t>18/05/2018</a:t>
             </a:fld>
             <a:endParaRPr lang="en-IN"/>
           </a:p>
@@ -2504,7 +2505,7 @@
             <a:fld id="{18D8F839-2A51-447F-BE12-886A78281C35}" type="datetimeFigureOut">
               <a:rPr lang="en-IN" smtClean="0"/>
               <a:pPr/>
-              <a:t>17/05/2018</a:t>
+              <a:t>18/05/2018</a:t>
             </a:fld>
             <a:endParaRPr lang="en-IN"/>
           </a:p>
@@ -2714,7 +2715,7 @@
             <a:fld id="{18D8F839-2A51-447F-BE12-886A78281C35}" type="datetimeFigureOut">
               <a:rPr lang="en-IN" smtClean="0"/>
               <a:pPr/>
-              <a:t>17/05/2018</a:t>
+              <a:t>18/05/2018</a:t>
             </a:fld>
             <a:endParaRPr lang="en-IN"/>
           </a:p>
@@ -3165,6 +3166,13 @@
   <p:clrMapOvr>
     <a:masterClrMapping/>
   </p:clrMapOvr>
+  <p:timing>
+    <p:tnLst>
+      <p:par>
+        <p:cTn id="1" dur="indefinite" restart="never" nodeType="tmRoot"/>
+      </p:par>
+    </p:tnLst>
+  </p:timing>
 </p:sld>
 </file>
 
@@ -3264,6 +3272,13 @@
   <p:clrMapOvr>
     <a:masterClrMapping/>
   </p:clrMapOvr>
+  <p:timing>
+    <p:tnLst>
+      <p:par>
+        <p:cTn id="1" dur="indefinite" restart="never" nodeType="tmRoot"/>
+      </p:par>
+    </p:tnLst>
+  </p:timing>
 </p:sld>
 </file>
 
@@ -3359,6 +3374,13 @@
   <p:clrMapOvr>
     <a:masterClrMapping/>
   </p:clrMapOvr>
+  <p:timing>
+    <p:tnLst>
+      <p:par>
+        <p:cTn id="1" dur="indefinite" restart="never" nodeType="tmRoot"/>
+      </p:par>
+    </p:tnLst>
+  </p:timing>
 </p:sld>
 </file>
 
@@ -3486,6 +3508,13 @@
   <p:clrMapOvr>
     <a:masterClrMapping/>
   </p:clrMapOvr>
+  <p:timing>
+    <p:tnLst>
+      <p:par>
+        <p:cTn id="1" dur="indefinite" restart="never" nodeType="tmRoot"/>
+      </p:par>
+    </p:tnLst>
+  </p:timing>
 </p:sld>
 </file>
 
@@ -3581,6 +3610,13 @@
   <p:clrMapOvr>
     <a:masterClrMapping/>
   </p:clrMapOvr>
+  <p:timing>
+    <p:tnLst>
+      <p:par>
+        <p:cTn id="1" dur="indefinite" restart="never" nodeType="tmRoot"/>
+      </p:par>
+    </p:tnLst>
+  </p:timing>
 </p:sld>
 </file>
 
@@ -3680,6 +3716,13 @@
   <p:clrMapOvr>
     <a:masterClrMapping/>
   </p:clrMapOvr>
+  <p:timing>
+    <p:tnLst>
+      <p:par>
+        <p:cTn id="1" dur="indefinite" restart="never" nodeType="tmRoot"/>
+      </p:par>
+    </p:tnLst>
+  </p:timing>
 </p:sld>
 </file>
 
@@ -3775,6 +3818,13 @@
   <p:clrMapOvr>
     <a:masterClrMapping/>
   </p:clrMapOvr>
+  <p:timing>
+    <p:tnLst>
+      <p:par>
+        <p:cTn id="1" dur="indefinite" restart="never" nodeType="tmRoot"/>
+      </p:par>
+    </p:tnLst>
+  </p:timing>
 </p:sld>
 </file>
 
@@ -3934,6 +3984,13 @@
   <p:clrMapOvr>
     <a:masterClrMapping/>
   </p:clrMapOvr>
+  <p:timing>
+    <p:tnLst>
+      <p:par>
+        <p:cTn id="1" dur="indefinite" restart="never" nodeType="tmRoot"/>
+      </p:par>
+    </p:tnLst>
+  </p:timing>
 </p:sld>
 </file>
 
@@ -4029,6 +4086,13 @@
   <p:clrMapOvr>
     <a:masterClrMapping/>
   </p:clrMapOvr>
+  <p:timing>
+    <p:tnLst>
+      <p:par>
+        <p:cTn id="1" dur="indefinite" restart="never" nodeType="tmRoot"/>
+      </p:par>
+    </p:tnLst>
+  </p:timing>
 </p:sld>
 </file>
 
@@ -4128,6 +4192,13 @@
   <p:clrMapOvr>
     <a:masterClrMapping/>
   </p:clrMapOvr>
+  <p:timing>
+    <p:tnLst>
+      <p:par>
+        <p:cTn id="1" dur="indefinite" restart="never" nodeType="tmRoot"/>
+      </p:par>
+    </p:tnLst>
+  </p:timing>
 </p:sld>
 </file>
 
@@ -4223,6 +4294,13 @@
   <p:clrMapOvr>
     <a:masterClrMapping/>
   </p:clrMapOvr>
+  <p:timing>
+    <p:tnLst>
+      <p:par>
+        <p:cTn id="1" dur="indefinite" restart="never" nodeType="tmRoot"/>
+      </p:par>
+    </p:tnLst>
+  </p:timing>
 </p:sld>
 </file>
 
@@ -4318,6 +4396,13 @@
   <p:clrMapOvr>
     <a:masterClrMapping/>
   </p:clrMapOvr>
+  <p:timing>
+    <p:tnLst>
+      <p:par>
+        <p:cTn id="1" dur="indefinite" restart="never" nodeType="tmRoot"/>
+      </p:par>
+    </p:tnLst>
+  </p:timing>
 </p:sld>
 </file>
 
@@ -4449,6 +4534,13 @@
   <p:clrMapOvr>
     <a:masterClrMapping/>
   </p:clrMapOvr>
+  <p:timing>
+    <p:tnLst>
+      <p:par>
+        <p:cTn id="1" dur="indefinite" restart="never" nodeType="tmRoot"/>
+      </p:par>
+    </p:tnLst>
+  </p:timing>
 </p:sld>
 </file>
 
@@ -4548,6 +4640,13 @@
   <p:clrMapOvr>
     <a:masterClrMapping/>
   </p:clrMapOvr>
+  <p:timing>
+    <p:tnLst>
+      <p:par>
+        <p:cTn id="1" dur="indefinite" restart="never" nodeType="tmRoot"/>
+      </p:par>
+    </p:tnLst>
+  </p:timing>
 </p:sld>
 </file>
 
@@ -4643,6 +4742,13 @@
   <p:clrMapOvr>
     <a:masterClrMapping/>
   </p:clrMapOvr>
+  <p:timing>
+    <p:tnLst>
+      <p:par>
+        <p:cTn id="1" dur="indefinite" restart="never" nodeType="tmRoot"/>
+      </p:par>
+    </p:tnLst>
+  </p:timing>
 </p:sld>
 </file>
 
@@ -4738,6 +4844,13 @@
   <p:clrMapOvr>
     <a:masterClrMapping/>
   </p:clrMapOvr>
+  <p:timing>
+    <p:tnLst>
+      <p:par>
+        <p:cTn id="1" dur="indefinite" restart="never" nodeType="tmRoot"/>
+      </p:par>
+    </p:tnLst>
+  </p:timing>
 </p:sld>
 </file>
 
@@ -4818,6 +4931,13 @@
   <p:clrMapOvr>
     <a:masterClrMapping/>
   </p:clrMapOvr>
+  <p:timing>
+    <p:tnLst>
+      <p:par>
+        <p:cTn id="1" dur="indefinite" restart="never" nodeType="tmRoot"/>
+      </p:par>
+    </p:tnLst>
+  </p:timing>
 </p:sld>
 </file>
 
@@ -4913,6 +5033,13 @@
   <p:clrMapOvr>
     <a:masterClrMapping/>
   </p:clrMapOvr>
+  <p:timing>
+    <p:tnLst>
+      <p:par>
+        <p:cTn id="1" dur="indefinite" restart="never" nodeType="tmRoot"/>
+      </p:par>
+    </p:tnLst>
+  </p:timing>
 </p:sld>
 </file>
 
@@ -4968,10 +5095,59 @@
         </p:nvSpPr>
         <p:spPr/>
         <p:txBody>
-          <a:bodyPr/>
-          <a:lstStyle/>
-          <a:p>
-            <a:endParaRPr lang="en-IN"/>
+          <a:bodyPr>
+            <a:normAutofit fontScale="92500" lnSpcReduction="10000"/>
+          </a:bodyPr>
+          <a:lstStyle/>
+          <a:p>
+            <a:r>
+              <a:rPr lang="en-IN" dirty="0" smtClean="0"/>
+              <a:t>Treat logs as event streams</a:t>
+            </a:r>
+          </a:p>
+          <a:p>
+            <a:r>
+              <a:rPr lang="en-IN" dirty="0" smtClean="0"/>
+              <a:t>Logs are the stream of aggregated, time-ordered events collected from the output streams of all running processes and backing services</a:t>
+            </a:r>
+            <a:r>
+              <a:rPr lang="en-IN" dirty="0" smtClean="0"/>
+              <a:t>.</a:t>
+            </a:r>
+          </a:p>
+          <a:p>
+            <a:r>
+              <a:rPr lang="en-IN" dirty="0" smtClean="0"/>
+              <a:t>The event stream for an app can be routed to a file, or watched via </a:t>
+            </a:r>
+            <a:r>
+              <a:rPr lang="en-IN" dirty="0" err="1" smtClean="0"/>
+              <a:t>realtime</a:t>
+            </a:r>
+            <a:r>
+              <a:rPr lang="en-IN" dirty="0" smtClean="0"/>
+              <a:t> tail in a terminal. Most significantly, the stream can be sent to a log indexing and analysis system such as </a:t>
+            </a:r>
+            <a:r>
+              <a:rPr lang="en-IN" dirty="0" err="1" smtClean="0"/>
+              <a:t>Splunk</a:t>
+            </a:r>
+            <a:r>
+              <a:rPr lang="en-IN" dirty="0" smtClean="0"/>
+              <a:t>, or a general-purpose data warehousing system such as </a:t>
+            </a:r>
+            <a:r>
+              <a:rPr lang="en-IN" dirty="0" err="1" smtClean="0"/>
+              <a:t>Hadoop</a:t>
+            </a:r>
+            <a:r>
+              <a:rPr lang="en-IN" dirty="0" smtClean="0"/>
+              <a:t>/Hive. </a:t>
+            </a:r>
+            <a:endParaRPr lang="en-IN" dirty="0" smtClean="0"/>
+          </a:p>
+          <a:p>
+            <a:endParaRPr lang="en-IN" dirty="0"/>
           </a:p>
         </p:txBody>
       </p:sp>
@@ -4980,6 +5156,13 @@
   <p:clrMapOvr>
     <a:masterClrMapping/>
   </p:clrMapOvr>
+  <p:timing>
+    <p:tnLst>
+      <p:par>
+        <p:cTn id="1" dur="indefinite" restart="never" nodeType="tmRoot"/>
+      </p:par>
+    </p:tnLst>
+  </p:timing>
 </p:sld>
 </file>
 
@@ -5038,7 +5221,96 @@
           <a:bodyPr/>
           <a:lstStyle/>
           <a:p>
-            <a:endParaRPr lang="en-IN"/>
+            <a:r>
+              <a:rPr lang="en-IN" dirty="0" smtClean="0"/>
+              <a:t>Run admin/management tasks as one-off processes</a:t>
+            </a:r>
+          </a:p>
+          <a:p>
+            <a:r>
+              <a:rPr lang="en-IN" dirty="0" smtClean="0"/>
+              <a:t>Execute migrations on </a:t>
+            </a:r>
+            <a:r>
+              <a:rPr lang="en-IN" dirty="0" err="1" smtClean="0"/>
+              <a:t>deployement</a:t>
+            </a:r>
+            <a:r>
+              <a:rPr lang="en-IN" dirty="0" smtClean="0"/>
+              <a:t> or </a:t>
+            </a:r>
+            <a:r>
+              <a:rPr lang="en-IN" dirty="0" err="1" smtClean="0"/>
+              <a:t>startup</a:t>
+            </a:r>
+            <a:r>
+              <a:rPr lang="en-IN" smtClean="0"/>
+              <a:t>.</a:t>
+            </a:r>
+            <a:endParaRPr lang="en-IN"/>
+          </a:p>
+        </p:txBody>
+      </p:sp>
+    </p:spTree>
+  </p:cSld>
+  <p:clrMapOvr>
+    <a:masterClrMapping/>
+  </p:clrMapOvr>
+  <p:timing>
+    <p:tnLst>
+      <p:par>
+        <p:cTn id="1" dur="indefinite" restart="never" nodeType="tmRoot"/>
+      </p:par>
+    </p:tnLst>
+  </p:timing>
+</p:sld>
+</file>
+
+<file path=ppt/slides/slide28.xml><?xml version="1.0" encoding="utf-8"?>
+<p:sld xmlns:a="http://schemas.openxmlformats.org/drawingml/2006/main" xmlns:r="http://schemas.openxmlformats.org/officeDocument/2006/relationships" xmlns:p="http://schemas.openxmlformats.org/presentationml/2006/main">
+  <p:cSld>
+    <p:spTree>
+      <p:nvGrpSpPr>
+        <p:cNvPr id="1" name=""/>
+        <p:cNvGrpSpPr/>
+        <p:nvPr/>
+      </p:nvGrpSpPr>
+      <p:grpSpPr>
+        <a:xfrm>
+          <a:off x="0" y="0"/>
+          <a:ext cx="0" cy="0"/>
+          <a:chOff x="0" y="0"/>
+          <a:chExt cx="0" cy="0"/>
+        </a:xfrm>
+      </p:grpSpPr>
+      <p:sp>
+        <p:nvSpPr>
+          <p:cNvPr id="3" name="Content Placeholder 2"/>
+          <p:cNvSpPr>
+            <a:spLocks noGrp="1"/>
+          </p:cNvSpPr>
+          <p:nvPr>
+            <p:ph idx="1"/>
+          </p:nvPr>
+        </p:nvSpPr>
+        <p:spPr>
+          <a:xfrm>
+            <a:off x="4716016" y="3356992"/>
+            <a:ext cx="3250704" cy="1036712"/>
+          </a:xfrm>
+        </p:spPr>
+        <p:txBody>
+          <a:bodyPr/>
+          <a:lstStyle/>
+          <a:p>
+            <a:pPr>
+              <a:buNone/>
+            </a:pPr>
+            <a:r>
+              <a:rPr lang="en-IN" dirty="0" smtClean="0"/>
+              <a:t>Thanks a lot</a:t>
+            </a:r>
+            <a:endParaRPr lang="en-IN" dirty="0"/>
           </a:p>
         </p:txBody>
       </p:sp>
@@ -5142,6 +5414,13 @@
   <p:clrMapOvr>
     <a:masterClrMapping/>
   </p:clrMapOvr>
+  <p:timing>
+    <p:tnLst>
+      <p:par>
+        <p:cTn id="1" dur="indefinite" restart="never" nodeType="tmRoot"/>
+      </p:par>
+    </p:tnLst>
+  </p:timing>
 </p:sld>
 </file>
 
@@ -5237,6 +5516,13 @@
   <p:clrMapOvr>
     <a:masterClrMapping/>
   </p:clrMapOvr>
+  <p:timing>
+    <p:tnLst>
+      <p:par>
+        <p:cTn id="1" dur="indefinite" restart="never" nodeType="tmRoot"/>
+      </p:par>
+    </p:tnLst>
+  </p:timing>
 </p:sld>
 </file>
 
@@ -5345,6 +5631,13 @@
   <p:clrMapOvr>
     <a:masterClrMapping/>
   </p:clrMapOvr>
+  <p:timing>
+    <p:tnLst>
+      <p:par>
+        <p:cTn id="1" dur="indefinite" restart="never" nodeType="tmRoot"/>
+      </p:par>
+    </p:tnLst>
+  </p:timing>
 </p:sld>
 </file>
 
@@ -5444,6 +5737,13 @@
   <p:clrMapOvr>
     <a:masterClrMapping/>
   </p:clrMapOvr>
+  <p:timing>
+    <p:tnLst>
+      <p:par>
+        <p:cTn id="1" dur="indefinite" restart="never" nodeType="tmRoot"/>
+      </p:par>
+    </p:tnLst>
+  </p:timing>
 </p:sld>
 </file>
 
@@ -5539,6 +5839,13 @@
   <p:clrMapOvr>
     <a:masterClrMapping/>
   </p:clrMapOvr>
+  <p:timing>
+    <p:tnLst>
+      <p:par>
+        <p:cTn id="1" dur="indefinite" restart="never" nodeType="tmRoot"/>
+      </p:par>
+    </p:tnLst>
+  </p:timing>
 </p:sld>
 </file>
 
@@ -5634,6 +5941,13 @@
   <p:clrMapOvr>
     <a:masterClrMapping/>
   </p:clrMapOvr>
+  <p:timing>
+    <p:tnLst>
+      <p:par>
+        <p:cTn id="1" dur="indefinite" restart="never" nodeType="tmRoot"/>
+      </p:par>
+    </p:tnLst>
+  </p:timing>
 </p:sld>
 </file>
 
@@ -5671,7 +5985,7 @@
           <a:p>
             <a:r>
               <a:rPr lang="en-IN" dirty="0" smtClean="0"/>
-              <a:t>3.Dependency</a:t>
+              <a:t>2.Dependency</a:t>
             </a:r>
             <a:endParaRPr lang="en-IN" dirty="0"/>
           </a:p>
@@ -5733,6 +6047,13 @@
   <p:clrMapOvr>
     <a:masterClrMapping/>
   </p:clrMapOvr>
+  <p:timing>
+    <p:tnLst>
+      <p:par>
+        <p:cTn id="1" dur="indefinite" restart="never" nodeType="tmRoot"/>
+      </p:par>
+    </p:tnLst>
+  </p:timing>
 </p:sld>
 </file>
 
